--- a/files/lectures/01/slides.pptx
+++ b/files/lectures/01/slides.pptx
@@ -5,7 +5,7 @@
     <p:sldMasterId id="2147483720" r:id="rId1"/>
   </p:sldMasterIdLst>
   <p:notesMasterIdLst>
-    <p:notesMasterId r:id="rId27"/>
+    <p:notesMasterId r:id="rId21"/>
   </p:notesMasterIdLst>
   <p:sldIdLst>
     <p:sldId id="260" r:id="rId2"/>
@@ -27,12 +27,6 @@
     <p:sldId id="305" r:id="rId18"/>
     <p:sldId id="307" r:id="rId19"/>
     <p:sldId id="306" r:id="rId20"/>
-    <p:sldId id="293" r:id="rId21"/>
-    <p:sldId id="284" r:id="rId22"/>
-    <p:sldId id="283" r:id="rId23"/>
-    <p:sldId id="294" r:id="rId24"/>
-    <p:sldId id="291" r:id="rId25"/>
-    <p:sldId id="290" r:id="rId26"/>
   </p:sldIdLst>
   <p:sldSz cx="9144000" cy="6858000" type="screen4x3"/>
   <p:notesSz cx="6858000" cy="9144000"/>
@@ -232,7 +226,7 @@
           <a:p>
             <a:fld id="{D229E745-C966-47D4-9699-14D7414E4378}" type="datetimeFigureOut">
               <a:rPr lang="en-US" smtClean="0"/>
-              <a:t>8/30/2018</a:t>
+              <a:t>8/28/19</a:t>
             </a:fld>
             <a:endParaRPr lang="en-US"/>
           </a:p>
@@ -1583,699 +1577,6 @@
 </p:notes>
 </file>
 
-<file path=ppt/notesSlides/notesSlide20.xml><?xml version="1.0" encoding="utf-8"?>
-<p:notes xmlns:a="http://schemas.openxmlformats.org/drawingml/2006/main" xmlns:r="http://schemas.openxmlformats.org/officeDocument/2006/relationships" xmlns:p="http://schemas.openxmlformats.org/presentationml/2006/main">
-  <p:cSld>
-    <p:spTree>
-      <p:nvGrpSpPr>
-        <p:cNvPr id="1" name=""/>
-        <p:cNvGrpSpPr/>
-        <p:nvPr/>
-      </p:nvGrpSpPr>
-      <p:grpSpPr>
-        <a:xfrm>
-          <a:off x="0" y="0"/>
-          <a:ext cx="0" cy="0"/>
-          <a:chOff x="0" y="0"/>
-          <a:chExt cx="0" cy="0"/>
-        </a:xfrm>
-      </p:grpSpPr>
-      <p:sp>
-        <p:nvSpPr>
-          <p:cNvPr id="2" name="Slide Image Placeholder 1"/>
-          <p:cNvSpPr>
-            <a:spLocks noGrp="1" noRot="1" noChangeAspect="1"/>
-          </p:cNvSpPr>
-          <p:nvPr>
-            <p:ph type="sldImg"/>
-          </p:nvPr>
-        </p:nvSpPr>
-        <p:spPr/>
-      </p:sp>
-      <p:sp>
-        <p:nvSpPr>
-          <p:cNvPr id="3" name="Notes Placeholder 2"/>
-          <p:cNvSpPr>
-            <a:spLocks noGrp="1"/>
-          </p:cNvSpPr>
-          <p:nvPr>
-            <p:ph type="body" idx="1"/>
-          </p:nvPr>
-        </p:nvSpPr>
-        <p:spPr/>
-        <p:txBody>
-          <a:bodyPr/>
-          <a:lstStyle/>
-          <a:p>
-            <a:r>
-              <a:rPr lang="en-US" dirty="0"/>
-              <a:t>This is an example of an algorithm for a robot.</a:t>
-            </a:r>
-          </a:p>
-          <a:p>
-            <a:endParaRPr lang="en-US" dirty="0"/>
-          </a:p>
-          <a:p>
-            <a:r>
-              <a:rPr lang="en-US" dirty="0"/>
-              <a:t>Is this an algorithm?</a:t>
-            </a:r>
-          </a:p>
-          <a:p>
-            <a:endParaRPr lang="en-US" dirty="0"/>
-          </a:p>
-          <a:p>
-            <a:r>
-              <a:rPr lang="en-US" dirty="0"/>
-              <a:t>Not</a:t>
-            </a:r>
-            <a:r>
-              <a:rPr lang="en-US" baseline="0" dirty="0"/>
-              <a:t> finite time</a:t>
-            </a:r>
-            <a:endParaRPr lang="en-US" dirty="0"/>
-          </a:p>
-        </p:txBody>
-      </p:sp>
-      <p:sp>
-        <p:nvSpPr>
-          <p:cNvPr id="4" name="Slide Number Placeholder 3"/>
-          <p:cNvSpPr>
-            <a:spLocks noGrp="1"/>
-          </p:cNvSpPr>
-          <p:nvPr>
-            <p:ph type="sldNum" sz="quarter" idx="10"/>
-          </p:nvPr>
-        </p:nvSpPr>
-        <p:spPr/>
-        <p:txBody>
-          <a:bodyPr/>
-          <a:lstStyle/>
-          <a:p>
-            <a:fld id="{25B828D0-02EC-4BC7-AEC0-27286E88C87E}" type="slidenum">
-              <a:rPr lang="en-US" smtClean="0"/>
-              <a:t>20</a:t>
-            </a:fld>
-            <a:endParaRPr lang="en-US"/>
-          </a:p>
-        </p:txBody>
-      </p:sp>
-    </p:spTree>
-    <p:extLst>
-      <p:ext uri="{BB962C8B-B14F-4D97-AF65-F5344CB8AC3E}">
-        <p14:creationId xmlns:p14="http://schemas.microsoft.com/office/powerpoint/2010/main" val="1364554186"/>
-      </p:ext>
-    </p:extLst>
-  </p:cSld>
-  <p:clrMapOvr>
-    <a:masterClrMapping/>
-  </p:clrMapOvr>
-</p:notes>
-</file>
-
-<file path=ppt/notesSlides/notesSlide21.xml><?xml version="1.0" encoding="utf-8"?>
-<p:notes xmlns:a="http://schemas.openxmlformats.org/drawingml/2006/main" xmlns:r="http://schemas.openxmlformats.org/officeDocument/2006/relationships" xmlns:p="http://schemas.openxmlformats.org/presentationml/2006/main">
-  <p:cSld>
-    <p:spTree>
-      <p:nvGrpSpPr>
-        <p:cNvPr id="1" name=""/>
-        <p:cNvGrpSpPr/>
-        <p:nvPr/>
-      </p:nvGrpSpPr>
-      <p:grpSpPr>
-        <a:xfrm>
-          <a:off x="0" y="0"/>
-          <a:ext cx="0" cy="0"/>
-          <a:chOff x="0" y="0"/>
-          <a:chExt cx="0" cy="0"/>
-        </a:xfrm>
-      </p:grpSpPr>
-      <p:sp>
-        <p:nvSpPr>
-          <p:cNvPr id="2" name="Slide Image Placeholder 1"/>
-          <p:cNvSpPr>
-            <a:spLocks noGrp="1" noRot="1" noChangeAspect="1"/>
-          </p:cNvSpPr>
-          <p:nvPr>
-            <p:ph type="sldImg"/>
-          </p:nvPr>
-        </p:nvSpPr>
-        <p:spPr/>
-      </p:sp>
-      <p:sp>
-        <p:nvSpPr>
-          <p:cNvPr id="3" name="Notes Placeholder 2"/>
-          <p:cNvSpPr>
-            <a:spLocks noGrp="1"/>
-          </p:cNvSpPr>
-          <p:nvPr>
-            <p:ph type="body" idx="1"/>
-          </p:nvPr>
-        </p:nvSpPr>
-        <p:spPr/>
-        <p:txBody>
-          <a:bodyPr/>
-          <a:lstStyle/>
-          <a:p>
-            <a:pPr marL="0" indent="0">
-              <a:buFont typeface="+mj-lt"/>
-              <a:buNone/>
-            </a:pPr>
-            <a:r>
-              <a:rPr lang="en-US" dirty="0"/>
-              <a:t>Have students create their algorithm, then have them read me instructions and act them out: most likely, there will be step that says, “add x, y times”, or something like that, this is an opportunity to introduce a repeat step.</a:t>
-            </a:r>
-          </a:p>
-          <a:p>
-            <a:pPr marL="0" indent="0">
-              <a:buFont typeface="+mj-lt"/>
-              <a:buNone/>
-            </a:pPr>
-            <a:endParaRPr lang="en-US" dirty="0"/>
-          </a:p>
-          <a:p>
-            <a:pPr marL="0" indent="0">
-              <a:buFont typeface="+mj-lt"/>
-              <a:buNone/>
-            </a:pPr>
-            <a:r>
-              <a:rPr lang="en-US" dirty="0"/>
-              <a:t>Have some number of groups of students write their algorithm on the board</a:t>
-            </a:r>
-          </a:p>
-          <a:p>
-            <a:pPr marL="228600" indent="-228600">
-              <a:buFont typeface="+mj-lt"/>
-              <a:buAutoNum type="arabicPeriod"/>
-            </a:pPr>
-            <a:endParaRPr lang="en-US" dirty="0"/>
-          </a:p>
-          <a:p>
-            <a:pPr marL="0" indent="0">
-              <a:buFont typeface="+mj-lt"/>
-              <a:buNone/>
-            </a:pPr>
-            <a:r>
-              <a:rPr lang="en-US" dirty="0"/>
-              <a:t>A “good” solution might look like this:</a:t>
-            </a:r>
-          </a:p>
-          <a:p>
-            <a:pPr marL="228600" indent="-228600">
-              <a:buFont typeface="+mj-lt"/>
-              <a:buAutoNum type="arabicPeriod"/>
-            </a:pPr>
-            <a:r>
-              <a:rPr lang="en-US" baseline="0" dirty="0"/>
-              <a:t>Set a value called, y to 4</a:t>
-            </a:r>
-          </a:p>
-          <a:p>
-            <a:pPr marL="228600" indent="-228600">
-              <a:buFont typeface="+mj-lt"/>
-              <a:buAutoNum type="arabicPeriod"/>
-            </a:pPr>
-            <a:r>
-              <a:rPr lang="en-US" baseline="0" dirty="0"/>
-              <a:t>Add 5 to a value called product</a:t>
-            </a:r>
-          </a:p>
-          <a:p>
-            <a:pPr marL="228600" indent="-228600">
-              <a:buFont typeface="+mj-lt"/>
-              <a:buAutoNum type="arabicPeriod"/>
-            </a:pPr>
-            <a:r>
-              <a:rPr lang="en-US" baseline="0" dirty="0"/>
-              <a:t>Subtract 1 from y</a:t>
-            </a:r>
-          </a:p>
-          <a:p>
-            <a:pPr marL="228600" indent="-228600">
-              <a:buFont typeface="+mj-lt"/>
-              <a:buAutoNum type="arabicPeriod"/>
-            </a:pPr>
-            <a:r>
-              <a:rPr lang="en-US" baseline="0" dirty="0"/>
-              <a:t>If y is greater than 0, then go back to step 3</a:t>
-            </a:r>
-          </a:p>
-          <a:p>
-            <a:pPr marL="228600" indent="-228600">
-              <a:buFont typeface="+mj-lt"/>
-              <a:buAutoNum type="arabicPeriod"/>
-            </a:pPr>
-            <a:r>
-              <a:rPr lang="en-US" baseline="0" dirty="0"/>
-              <a:t>Output product</a:t>
-            </a:r>
-          </a:p>
-          <a:p>
-            <a:pPr marL="228600" indent="-228600">
-              <a:buFont typeface="+mj-lt"/>
-              <a:buAutoNum type="arabicPeriod"/>
-            </a:pPr>
-            <a:endParaRPr lang="en-US" baseline="0" dirty="0"/>
-          </a:p>
-          <a:p>
-            <a:pPr marL="0" indent="0">
-              <a:buFont typeface="+mj-lt"/>
-              <a:buNone/>
-            </a:pPr>
-            <a:r>
-              <a:rPr lang="en-US" baseline="0" dirty="0"/>
-              <a:t>Emphasize the need for variables, i.e., names for values</a:t>
-            </a:r>
-          </a:p>
-        </p:txBody>
-      </p:sp>
-      <p:sp>
-        <p:nvSpPr>
-          <p:cNvPr id="4" name="Slide Number Placeholder 3"/>
-          <p:cNvSpPr>
-            <a:spLocks noGrp="1"/>
-          </p:cNvSpPr>
-          <p:nvPr>
-            <p:ph type="sldNum" sz="quarter" idx="10"/>
-          </p:nvPr>
-        </p:nvSpPr>
-        <p:spPr/>
-        <p:txBody>
-          <a:bodyPr/>
-          <a:lstStyle/>
-          <a:p>
-            <a:fld id="{A86375C9-F819-400D-83A5-4F4663C2F038}" type="slidenum">
-              <a:rPr lang="en-US" smtClean="0"/>
-              <a:t>21</a:t>
-            </a:fld>
-            <a:endParaRPr lang="en-US"/>
-          </a:p>
-        </p:txBody>
-      </p:sp>
-    </p:spTree>
-    <p:extLst>
-      <p:ext uri="{BB962C8B-B14F-4D97-AF65-F5344CB8AC3E}">
-        <p14:creationId xmlns:p14="http://schemas.microsoft.com/office/powerpoint/2010/main" val="1516458840"/>
-      </p:ext>
-    </p:extLst>
-  </p:cSld>
-  <p:clrMapOvr>
-    <a:masterClrMapping/>
-  </p:clrMapOvr>
-</p:notes>
-</file>
-
-<file path=ppt/notesSlides/notesSlide22.xml><?xml version="1.0" encoding="utf-8"?>
-<p:notes xmlns:a="http://schemas.openxmlformats.org/drawingml/2006/main" xmlns:r="http://schemas.openxmlformats.org/officeDocument/2006/relationships" xmlns:p="http://schemas.openxmlformats.org/presentationml/2006/main">
-  <p:cSld>
-    <p:spTree>
-      <p:nvGrpSpPr>
-        <p:cNvPr id="1" name=""/>
-        <p:cNvGrpSpPr/>
-        <p:nvPr/>
-      </p:nvGrpSpPr>
-      <p:grpSpPr>
-        <a:xfrm>
-          <a:off x="0" y="0"/>
-          <a:ext cx="0" cy="0"/>
-          <a:chOff x="0" y="0"/>
-          <a:chExt cx="0" cy="0"/>
-        </a:xfrm>
-      </p:grpSpPr>
-      <p:sp>
-        <p:nvSpPr>
-          <p:cNvPr id="2" name="Slide Image Placeholder 1"/>
-          <p:cNvSpPr>
-            <a:spLocks noGrp="1" noRot="1" noChangeAspect="1"/>
-          </p:cNvSpPr>
-          <p:nvPr>
-            <p:ph type="sldImg"/>
-          </p:nvPr>
-        </p:nvSpPr>
-        <p:spPr/>
-      </p:sp>
-      <p:sp>
-        <p:nvSpPr>
-          <p:cNvPr id="3" name="Notes Placeholder 2"/>
-          <p:cNvSpPr>
-            <a:spLocks noGrp="1"/>
-          </p:cNvSpPr>
-          <p:nvPr>
-            <p:ph type="body" idx="1"/>
-          </p:nvPr>
-        </p:nvSpPr>
-        <p:spPr/>
-        <p:txBody>
-          <a:bodyPr/>
-          <a:lstStyle/>
-          <a:p>
-            <a:pPr marL="0" indent="0">
-              <a:buFont typeface="+mj-lt"/>
-              <a:buNone/>
-            </a:pPr>
-            <a:endParaRPr lang="en-US" dirty="0"/>
-          </a:p>
-        </p:txBody>
-      </p:sp>
-      <p:sp>
-        <p:nvSpPr>
-          <p:cNvPr id="4" name="Slide Number Placeholder 3"/>
-          <p:cNvSpPr>
-            <a:spLocks noGrp="1"/>
-          </p:cNvSpPr>
-          <p:nvPr>
-            <p:ph type="sldNum" sz="quarter" idx="10"/>
-          </p:nvPr>
-        </p:nvSpPr>
-        <p:spPr/>
-        <p:txBody>
-          <a:bodyPr/>
-          <a:lstStyle/>
-          <a:p>
-            <a:fld id="{A86375C9-F819-400D-83A5-4F4663C2F038}" type="slidenum">
-              <a:rPr lang="en-US" smtClean="0"/>
-              <a:t>22</a:t>
-            </a:fld>
-            <a:endParaRPr lang="en-US"/>
-          </a:p>
-        </p:txBody>
-      </p:sp>
-    </p:spTree>
-    <p:extLst>
-      <p:ext uri="{BB962C8B-B14F-4D97-AF65-F5344CB8AC3E}">
-        <p14:creationId xmlns:p14="http://schemas.microsoft.com/office/powerpoint/2010/main" val="1097924769"/>
-      </p:ext>
-    </p:extLst>
-  </p:cSld>
-  <p:clrMapOvr>
-    <a:masterClrMapping/>
-  </p:clrMapOvr>
-</p:notes>
-</file>
-
-<file path=ppt/notesSlides/notesSlide23.xml><?xml version="1.0" encoding="utf-8"?>
-<p:notes xmlns:a="http://schemas.openxmlformats.org/drawingml/2006/main" xmlns:r="http://schemas.openxmlformats.org/officeDocument/2006/relationships" xmlns:p="http://schemas.openxmlformats.org/presentationml/2006/main">
-  <p:cSld>
-    <p:spTree>
-      <p:nvGrpSpPr>
-        <p:cNvPr id="1" name=""/>
-        <p:cNvGrpSpPr/>
-        <p:nvPr/>
-      </p:nvGrpSpPr>
-      <p:grpSpPr>
-        <a:xfrm>
-          <a:off x="0" y="0"/>
-          <a:ext cx="0" cy="0"/>
-          <a:chOff x="0" y="0"/>
-          <a:chExt cx="0" cy="0"/>
-        </a:xfrm>
-      </p:grpSpPr>
-      <p:sp>
-        <p:nvSpPr>
-          <p:cNvPr id="2" name="Slide Image Placeholder 1"/>
-          <p:cNvSpPr>
-            <a:spLocks noGrp="1" noRot="1" noChangeAspect="1"/>
-          </p:cNvSpPr>
-          <p:nvPr>
-            <p:ph type="sldImg"/>
-          </p:nvPr>
-        </p:nvSpPr>
-        <p:spPr/>
-      </p:sp>
-      <p:sp>
-        <p:nvSpPr>
-          <p:cNvPr id="3" name="Notes Placeholder 2"/>
-          <p:cNvSpPr>
-            <a:spLocks noGrp="1"/>
-          </p:cNvSpPr>
-          <p:nvPr>
-            <p:ph type="body" idx="1"/>
-          </p:nvPr>
-        </p:nvSpPr>
-        <p:spPr/>
-        <p:txBody>
-          <a:bodyPr/>
-          <a:lstStyle/>
-          <a:p>
-            <a:r>
-              <a:rPr lang="en-US" baseline="0" dirty="0"/>
-              <a:t>Here language means a natural language (read: human language).</a:t>
-            </a:r>
-          </a:p>
-          <a:p>
-            <a:endParaRPr lang="en-US" baseline="0" dirty="0"/>
-          </a:p>
-          <a:p>
-            <a:r>
-              <a:rPr lang="en-US" baseline="0" dirty="0"/>
-              <a:t>Emphasize to students that if they were learning another language, and were asked to write a short story in that language, it is unlikely that they would write the first draft in the second language, rather, they would write it in their native language, then translate it to the second language.</a:t>
-            </a:r>
-          </a:p>
-        </p:txBody>
-      </p:sp>
-      <p:sp>
-        <p:nvSpPr>
-          <p:cNvPr id="4" name="Slide Number Placeholder 3"/>
-          <p:cNvSpPr>
-            <a:spLocks noGrp="1"/>
-          </p:cNvSpPr>
-          <p:nvPr>
-            <p:ph type="sldNum" sz="quarter" idx="10"/>
-          </p:nvPr>
-        </p:nvSpPr>
-        <p:spPr/>
-        <p:txBody>
-          <a:bodyPr/>
-          <a:lstStyle/>
-          <a:p>
-            <a:fld id="{A86375C9-F819-400D-83A5-4F4663C2F038}" type="slidenum">
-              <a:rPr lang="en-US" smtClean="0"/>
-              <a:t>23</a:t>
-            </a:fld>
-            <a:endParaRPr lang="en-US"/>
-          </a:p>
-        </p:txBody>
-      </p:sp>
-    </p:spTree>
-    <p:extLst>
-      <p:ext uri="{BB962C8B-B14F-4D97-AF65-F5344CB8AC3E}">
-        <p14:creationId xmlns:p14="http://schemas.microsoft.com/office/powerpoint/2010/main" val="2062307985"/>
-      </p:ext>
-    </p:extLst>
-  </p:cSld>
-  <p:clrMapOvr>
-    <a:masterClrMapping/>
-  </p:clrMapOvr>
-</p:notes>
-</file>
-
-<file path=ppt/notesSlides/notesSlide24.xml><?xml version="1.0" encoding="utf-8"?>
-<p:notes xmlns:a="http://schemas.openxmlformats.org/drawingml/2006/main" xmlns:r="http://schemas.openxmlformats.org/officeDocument/2006/relationships" xmlns:p="http://schemas.openxmlformats.org/presentationml/2006/main">
-  <p:cSld>
-    <p:spTree>
-      <p:nvGrpSpPr>
-        <p:cNvPr id="1" name=""/>
-        <p:cNvGrpSpPr/>
-        <p:nvPr/>
-      </p:nvGrpSpPr>
-      <p:grpSpPr>
-        <a:xfrm>
-          <a:off x="0" y="0"/>
-          <a:ext cx="0" cy="0"/>
-          <a:chOff x="0" y="0"/>
-          <a:chExt cx="0" cy="0"/>
-        </a:xfrm>
-      </p:grpSpPr>
-      <p:sp>
-        <p:nvSpPr>
-          <p:cNvPr id="2" name="Slide Image Placeholder 1"/>
-          <p:cNvSpPr>
-            <a:spLocks noGrp="1" noRot="1" noChangeAspect="1"/>
-          </p:cNvSpPr>
-          <p:nvPr>
-            <p:ph type="sldImg"/>
-          </p:nvPr>
-        </p:nvSpPr>
-        <p:spPr/>
-      </p:sp>
-      <p:sp>
-        <p:nvSpPr>
-          <p:cNvPr id="3" name="Notes Placeholder 2"/>
-          <p:cNvSpPr>
-            <a:spLocks noGrp="1"/>
-          </p:cNvSpPr>
-          <p:nvPr>
-            <p:ph type="body" idx="1"/>
-          </p:nvPr>
-        </p:nvSpPr>
-        <p:spPr/>
-        <p:txBody>
-          <a:bodyPr/>
-          <a:lstStyle/>
-          <a:p>
-            <a:pPr marL="0" marR="0" lvl="0" indent="0" algn="l" defTabSz="914400" rtl="0" eaLnBrk="1" fontAlgn="auto" latinLnBrk="0" hangingPunct="1">
-              <a:lnSpc>
-                <a:spcPct val="100000"/>
-              </a:lnSpc>
-              <a:spcBef>
-                <a:spcPts val="0"/>
-              </a:spcBef>
-              <a:spcAft>
-                <a:spcPts val="0"/>
-              </a:spcAft>
-              <a:buClrTx/>
-              <a:buSzTx/>
-              <a:buFontTx/>
-              <a:buNone/>
-              <a:tabLst/>
-              <a:defRPr/>
-            </a:pPr>
-            <a:r>
-              <a:rPr lang="en-US" baseline="0" dirty="0"/>
-              <a:t>The same is true for computers, where short story -&gt; algorithm (solution to problem), and second language -&gt; programming language</a:t>
-            </a:r>
-          </a:p>
-          <a:p>
-            <a:endParaRPr lang="en-US" dirty="0"/>
-          </a:p>
-        </p:txBody>
-      </p:sp>
-      <p:sp>
-        <p:nvSpPr>
-          <p:cNvPr id="4" name="Slide Number Placeholder 3"/>
-          <p:cNvSpPr>
-            <a:spLocks noGrp="1"/>
-          </p:cNvSpPr>
-          <p:nvPr>
-            <p:ph type="sldNum" sz="quarter" idx="10"/>
-          </p:nvPr>
-        </p:nvSpPr>
-        <p:spPr/>
-        <p:txBody>
-          <a:bodyPr/>
-          <a:lstStyle/>
-          <a:p>
-            <a:fld id="{A86375C9-F819-400D-83A5-4F4663C2F038}" type="slidenum">
-              <a:rPr lang="en-US" smtClean="0"/>
-              <a:t>24</a:t>
-            </a:fld>
-            <a:endParaRPr lang="en-US"/>
-          </a:p>
-        </p:txBody>
-      </p:sp>
-    </p:spTree>
-    <p:extLst>
-      <p:ext uri="{BB962C8B-B14F-4D97-AF65-F5344CB8AC3E}">
-        <p14:creationId xmlns:p14="http://schemas.microsoft.com/office/powerpoint/2010/main" val="2399408674"/>
-      </p:ext>
-    </p:extLst>
-  </p:cSld>
-  <p:clrMapOvr>
-    <a:masterClrMapping/>
-  </p:clrMapOvr>
-</p:notes>
-</file>
-
-<file path=ppt/notesSlides/notesSlide25.xml><?xml version="1.0" encoding="utf-8"?>
-<p:notes xmlns:a="http://schemas.openxmlformats.org/drawingml/2006/main" xmlns:r="http://schemas.openxmlformats.org/officeDocument/2006/relationships" xmlns:p="http://schemas.openxmlformats.org/presentationml/2006/main">
-  <p:cSld>
-    <p:spTree>
-      <p:nvGrpSpPr>
-        <p:cNvPr id="1" name=""/>
-        <p:cNvGrpSpPr/>
-        <p:nvPr/>
-      </p:nvGrpSpPr>
-      <p:grpSpPr>
-        <a:xfrm>
-          <a:off x="0" y="0"/>
-          <a:ext cx="0" cy="0"/>
-          <a:chOff x="0" y="0"/>
-          <a:chExt cx="0" cy="0"/>
-        </a:xfrm>
-      </p:grpSpPr>
-      <p:sp>
-        <p:nvSpPr>
-          <p:cNvPr id="2" name="Slide Image Placeholder 1"/>
-          <p:cNvSpPr>
-            <a:spLocks noGrp="1" noRot="1" noChangeAspect="1"/>
-          </p:cNvSpPr>
-          <p:nvPr>
-            <p:ph type="sldImg"/>
-          </p:nvPr>
-        </p:nvSpPr>
-        <p:spPr/>
-      </p:sp>
-      <p:sp>
-        <p:nvSpPr>
-          <p:cNvPr id="3" name="Notes Placeholder 2"/>
-          <p:cNvSpPr>
-            <a:spLocks noGrp="1"/>
-          </p:cNvSpPr>
-          <p:nvPr>
-            <p:ph type="body" idx="1"/>
-          </p:nvPr>
-        </p:nvSpPr>
-        <p:spPr/>
-        <p:txBody>
-          <a:bodyPr/>
-          <a:lstStyle/>
-          <a:p>
-            <a:r>
-              <a:rPr lang="en-US" dirty="0"/>
-              <a:t>It is CRITICAL that we design</a:t>
-            </a:r>
-            <a:r>
-              <a:rPr lang="en-US" baseline="0" dirty="0"/>
-              <a:t> our algorithm before implementing our program</a:t>
-            </a:r>
-          </a:p>
-          <a:p>
-            <a:endParaRPr lang="en-US" baseline="0" dirty="0"/>
-          </a:p>
-          <a:p>
-            <a:r>
-              <a:rPr lang="en-US" baseline="0" dirty="0"/>
-              <a:t>This is the most important slide in the deck!</a:t>
-            </a:r>
-          </a:p>
-        </p:txBody>
-      </p:sp>
-      <p:sp>
-        <p:nvSpPr>
-          <p:cNvPr id="4" name="Slide Number Placeholder 3"/>
-          <p:cNvSpPr>
-            <a:spLocks noGrp="1"/>
-          </p:cNvSpPr>
-          <p:nvPr>
-            <p:ph type="sldNum" sz="quarter" idx="10"/>
-          </p:nvPr>
-        </p:nvSpPr>
-        <p:spPr/>
-        <p:txBody>
-          <a:bodyPr/>
-          <a:lstStyle/>
-          <a:p>
-            <a:fld id="{A86375C9-F819-400D-83A5-4F4663C2F038}" type="slidenum">
-              <a:rPr lang="en-US" smtClean="0"/>
-              <a:t>25</a:t>
-            </a:fld>
-            <a:endParaRPr lang="en-US"/>
-          </a:p>
-        </p:txBody>
-      </p:sp>
-    </p:spTree>
-    <p:extLst>
-      <p:ext uri="{BB962C8B-B14F-4D97-AF65-F5344CB8AC3E}">
-        <p14:creationId xmlns:p14="http://schemas.microsoft.com/office/powerpoint/2010/main" val="3961899724"/>
-      </p:ext>
-    </p:extLst>
-  </p:cSld>
-  <p:clrMapOvr>
-    <a:masterClrMapping/>
-  </p:clrMapOvr>
-</p:notes>
-</file>
-
 <file path=ppt/notesSlides/notesSlide3.xml><?xml version="1.0" encoding="utf-8"?>
 <p:notes xmlns:a="http://schemas.openxmlformats.org/drawingml/2006/main" xmlns:r="http://schemas.openxmlformats.org/officeDocument/2006/relationships" xmlns:p="http://schemas.openxmlformats.org/presentationml/2006/main">
   <p:cSld>
@@ -3162,7 +2463,7 @@
             <a:fld id="{A26177BE-2AC9-4FFF-A291-7105E34736A6}" type="datetimeFigureOut">
               <a:rPr lang="en-US" smtClean="0"/>
               <a:pPr/>
-              <a:t>8/30/2018</a:t>
+              <a:t>8/28/19</a:t>
             </a:fld>
             <a:endParaRPr lang="en-US"/>
           </a:p>
@@ -3334,7 +2635,7 @@
             <a:fld id="{A26177BE-2AC9-4FFF-A291-7105E34736A6}" type="datetimeFigureOut">
               <a:rPr lang="en-US" smtClean="0"/>
               <a:pPr/>
-              <a:t>8/30/2018</a:t>
+              <a:t>8/28/19</a:t>
             </a:fld>
             <a:endParaRPr lang="en-US"/>
           </a:p>
@@ -3516,7 +2817,7 @@
             <a:fld id="{A26177BE-2AC9-4FFF-A291-7105E34736A6}" type="datetimeFigureOut">
               <a:rPr lang="en-US" smtClean="0"/>
               <a:pPr/>
-              <a:t>8/30/2018</a:t>
+              <a:t>8/28/19</a:t>
             </a:fld>
             <a:endParaRPr lang="en-US"/>
           </a:p>
@@ -3688,7 +2989,7 @@
             <a:fld id="{A26177BE-2AC9-4FFF-A291-7105E34736A6}" type="datetimeFigureOut">
               <a:rPr lang="en-US" smtClean="0"/>
               <a:pPr/>
-              <a:t>8/30/2018</a:t>
+              <a:t>8/28/19</a:t>
             </a:fld>
             <a:endParaRPr lang="en-US"/>
           </a:p>
@@ -3934,7 +3235,7 @@
             <a:fld id="{A26177BE-2AC9-4FFF-A291-7105E34736A6}" type="datetimeFigureOut">
               <a:rPr lang="en-US" smtClean="0"/>
               <a:pPr/>
-              <a:t>8/30/2018</a:t>
+              <a:t>8/28/19</a:t>
             </a:fld>
             <a:endParaRPr lang="en-US"/>
           </a:p>
@@ -4168,7 +3469,7 @@
             <a:fld id="{A26177BE-2AC9-4FFF-A291-7105E34736A6}" type="datetimeFigureOut">
               <a:rPr lang="en-US" smtClean="0"/>
               <a:pPr/>
-              <a:t>8/30/2018</a:t>
+              <a:t>8/28/19</a:t>
             </a:fld>
             <a:endParaRPr lang="en-US"/>
           </a:p>
@@ -4537,7 +3838,7 @@
             <a:fld id="{A26177BE-2AC9-4FFF-A291-7105E34736A6}" type="datetimeFigureOut">
               <a:rPr lang="en-US" smtClean="0"/>
               <a:pPr/>
-              <a:t>8/30/2018</a:t>
+              <a:t>8/28/19</a:t>
             </a:fld>
             <a:endParaRPr lang="en-US"/>
           </a:p>
@@ -4657,7 +3958,7 @@
             <a:fld id="{A26177BE-2AC9-4FFF-A291-7105E34736A6}" type="datetimeFigureOut">
               <a:rPr lang="en-US" smtClean="0"/>
               <a:pPr/>
-              <a:t>8/30/2018</a:t>
+              <a:t>8/28/19</a:t>
             </a:fld>
             <a:endParaRPr lang="en-US"/>
           </a:p>
@@ -4754,7 +4055,7 @@
             <a:fld id="{A26177BE-2AC9-4FFF-A291-7105E34736A6}" type="datetimeFigureOut">
               <a:rPr lang="en-US" smtClean="0"/>
               <a:pPr/>
-              <a:t>8/30/2018</a:t>
+              <a:t>8/28/19</a:t>
             </a:fld>
             <a:endParaRPr lang="en-US"/>
           </a:p>
@@ -5033,7 +4334,7 @@
             <a:fld id="{A26177BE-2AC9-4FFF-A291-7105E34736A6}" type="datetimeFigureOut">
               <a:rPr lang="en-US" smtClean="0"/>
               <a:pPr/>
-              <a:t>8/30/2018</a:t>
+              <a:t>8/28/19</a:t>
             </a:fld>
             <a:endParaRPr lang="en-US"/>
           </a:p>
@@ -5292,7 +4593,7 @@
             <a:fld id="{A26177BE-2AC9-4FFF-A291-7105E34736A6}" type="datetimeFigureOut">
               <a:rPr lang="en-US" smtClean="0"/>
               <a:pPr/>
-              <a:t>8/30/2018</a:t>
+              <a:t>8/28/19</a:t>
             </a:fld>
             <a:endParaRPr lang="en-US"/>
           </a:p>
@@ -5507,7 +4808,7 @@
             <a:fld id="{A26177BE-2AC9-4FFF-A291-7105E34736A6}" type="datetimeFigureOut">
               <a:rPr lang="en-US" smtClean="0"/>
               <a:pPr/>
-              <a:t>8/30/2018</a:t>
+              <a:t>8/28/19</a:t>
             </a:fld>
             <a:endParaRPr lang="en-US"/>
           </a:p>
@@ -7898,660 +7199,6 @@
     <p:extLst>
       <p:ext uri="{BB962C8B-B14F-4D97-AF65-F5344CB8AC3E}">
         <p14:creationId xmlns:p14="http://schemas.microsoft.com/office/powerpoint/2010/main" val="3751533849"/>
-      </p:ext>
-    </p:extLst>
-  </p:cSld>
-  <p:clrMapOvr>
-    <a:masterClrMapping/>
-  </p:clrMapOvr>
-</p:sld>
-</file>
-
-<file path=ppt/slides/slide20.xml><?xml version="1.0" encoding="utf-8"?>
-<p:sld xmlns:a="http://schemas.openxmlformats.org/drawingml/2006/main" xmlns:r="http://schemas.openxmlformats.org/officeDocument/2006/relationships" xmlns:p="http://schemas.openxmlformats.org/presentationml/2006/main">
-  <p:cSld>
-    <p:spTree>
-      <p:nvGrpSpPr>
-        <p:cNvPr id="1" name=""/>
-        <p:cNvGrpSpPr/>
-        <p:nvPr/>
-      </p:nvGrpSpPr>
-      <p:grpSpPr>
-        <a:xfrm>
-          <a:off x="0" y="0"/>
-          <a:ext cx="0" cy="0"/>
-          <a:chOff x="0" y="0"/>
-          <a:chExt cx="0" cy="0"/>
-        </a:xfrm>
-      </p:grpSpPr>
-      <p:sp>
-        <p:nvSpPr>
-          <p:cNvPr id="2" name="Title 1"/>
-          <p:cNvSpPr>
-            <a:spLocks noGrp="1"/>
-          </p:cNvSpPr>
-          <p:nvPr>
-            <p:ph type="title"/>
-          </p:nvPr>
-        </p:nvSpPr>
-        <p:spPr/>
-        <p:txBody>
-          <a:bodyPr/>
-          <a:lstStyle/>
-          <a:p>
-            <a:r>
-              <a:rPr lang="en-US" dirty="0"/>
-              <a:t>Practice</a:t>
-            </a:r>
-          </a:p>
-        </p:txBody>
-      </p:sp>
-      <p:sp>
-        <p:nvSpPr>
-          <p:cNvPr id="3" name="Content Placeholder 2"/>
-          <p:cNvSpPr>
-            <a:spLocks noGrp="1"/>
-          </p:cNvSpPr>
-          <p:nvPr>
-            <p:ph idx="1"/>
-          </p:nvPr>
-        </p:nvSpPr>
-        <p:spPr/>
-        <p:txBody>
-          <a:bodyPr/>
-          <a:lstStyle/>
-          <a:p>
-            <a:pPr marL="514350" indent="-514350">
-              <a:buFont typeface="+mj-lt"/>
-              <a:buAutoNum type="arabicPeriod"/>
-            </a:pPr>
-            <a:r>
-              <a:rPr lang="en-US" dirty="0"/>
-              <a:t>Rotate both motors 4 rotations</a:t>
-            </a:r>
-          </a:p>
-          <a:p>
-            <a:pPr marL="514350" indent="-514350">
-              <a:buFont typeface="+mj-lt"/>
-              <a:buAutoNum type="arabicPeriod"/>
-            </a:pPr>
-            <a:r>
-              <a:rPr lang="en-US" dirty="0"/>
-              <a:t>Rotate left motor 2 rotations</a:t>
-            </a:r>
-          </a:p>
-          <a:p>
-            <a:pPr marL="514350" indent="-514350">
-              <a:buFont typeface="+mj-lt"/>
-              <a:buAutoNum type="arabicPeriod"/>
-            </a:pPr>
-            <a:r>
-              <a:rPr lang="en-US" dirty="0"/>
-              <a:t>Go back to step 1</a:t>
-            </a:r>
-          </a:p>
-        </p:txBody>
-      </p:sp>
-    </p:spTree>
-    <p:extLst>
-      <p:ext uri="{BB962C8B-B14F-4D97-AF65-F5344CB8AC3E}">
-        <p14:creationId xmlns:p14="http://schemas.microsoft.com/office/powerpoint/2010/main" val="1046811772"/>
-      </p:ext>
-    </p:extLst>
-  </p:cSld>
-  <p:clrMapOvr>
-    <a:masterClrMapping/>
-  </p:clrMapOvr>
-</p:sld>
-</file>
-
-<file path=ppt/slides/slide21.xml><?xml version="1.0" encoding="utf-8"?>
-<p:sld xmlns:a="http://schemas.openxmlformats.org/drawingml/2006/main" xmlns:r="http://schemas.openxmlformats.org/officeDocument/2006/relationships" xmlns:p="http://schemas.openxmlformats.org/presentationml/2006/main">
-  <p:cSld>
-    <p:spTree>
-      <p:nvGrpSpPr>
-        <p:cNvPr id="1" name=""/>
-        <p:cNvGrpSpPr/>
-        <p:nvPr/>
-      </p:nvGrpSpPr>
-      <p:grpSpPr>
-        <a:xfrm>
-          <a:off x="0" y="0"/>
-          <a:ext cx="0" cy="0"/>
-          <a:chOff x="0" y="0"/>
-          <a:chExt cx="0" cy="0"/>
-        </a:xfrm>
-      </p:grpSpPr>
-      <p:sp>
-        <p:nvSpPr>
-          <p:cNvPr id="2" name="Title 1"/>
-          <p:cNvSpPr>
-            <a:spLocks noGrp="1"/>
-          </p:cNvSpPr>
-          <p:nvPr>
-            <p:ph type="title"/>
-          </p:nvPr>
-        </p:nvSpPr>
-        <p:spPr/>
-        <p:txBody>
-          <a:bodyPr/>
-          <a:lstStyle/>
-          <a:p>
-            <a:r>
-              <a:rPr lang="en-US" altLang="en-US" dirty="0"/>
-              <a:t>Practice</a:t>
-            </a:r>
-            <a:endParaRPr lang="en-US" dirty="0"/>
-          </a:p>
-        </p:txBody>
-      </p:sp>
-      <p:sp>
-        <p:nvSpPr>
-          <p:cNvPr id="3" name="Content Placeholder 2"/>
-          <p:cNvSpPr>
-            <a:spLocks noGrp="1"/>
-          </p:cNvSpPr>
-          <p:nvPr>
-            <p:ph idx="1"/>
-          </p:nvPr>
-        </p:nvSpPr>
-        <p:spPr/>
-        <p:txBody>
-          <a:bodyPr>
-            <a:normAutofit/>
-          </a:bodyPr>
-          <a:lstStyle/>
-          <a:p>
-            <a:pPr algn="just"/>
-            <a:r>
-              <a:rPr lang="en-US" altLang="en-US" dirty="0"/>
-              <a:t>Write an algorithm, for someone who does not know about multiplication, to multiply two numbers, e.g., 5*4</a:t>
-            </a:r>
-          </a:p>
-        </p:txBody>
-      </p:sp>
-    </p:spTree>
-    <p:extLst>
-      <p:ext uri="{BB962C8B-B14F-4D97-AF65-F5344CB8AC3E}">
-        <p14:creationId xmlns:p14="http://schemas.microsoft.com/office/powerpoint/2010/main" val="372120750"/>
-      </p:ext>
-    </p:extLst>
-  </p:cSld>
-  <p:clrMapOvr>
-    <a:masterClrMapping/>
-  </p:clrMapOvr>
-</p:sld>
-</file>
-
-<file path=ppt/slides/slide22.xml><?xml version="1.0" encoding="utf-8"?>
-<p:sld xmlns:a="http://schemas.openxmlformats.org/drawingml/2006/main" xmlns:r="http://schemas.openxmlformats.org/officeDocument/2006/relationships" xmlns:p="http://schemas.openxmlformats.org/presentationml/2006/main">
-  <p:cSld>
-    <p:spTree>
-      <p:nvGrpSpPr>
-        <p:cNvPr id="1" name=""/>
-        <p:cNvGrpSpPr/>
-        <p:nvPr/>
-      </p:nvGrpSpPr>
-      <p:grpSpPr>
-        <a:xfrm>
-          <a:off x="0" y="0"/>
-          <a:ext cx="0" cy="0"/>
-          <a:chOff x="0" y="0"/>
-          <a:chExt cx="0" cy="0"/>
-        </a:xfrm>
-      </p:grpSpPr>
-      <p:sp>
-        <p:nvSpPr>
-          <p:cNvPr id="2" name="Title 1"/>
-          <p:cNvSpPr>
-            <a:spLocks noGrp="1"/>
-          </p:cNvSpPr>
-          <p:nvPr>
-            <p:ph type="title"/>
-          </p:nvPr>
-        </p:nvSpPr>
-        <p:spPr/>
-        <p:txBody>
-          <a:bodyPr/>
-          <a:lstStyle/>
-          <a:p>
-            <a:r>
-              <a:rPr lang="en-US" altLang="en-US" dirty="0"/>
-              <a:t>Practice (on your own)</a:t>
-            </a:r>
-            <a:endParaRPr lang="en-US" dirty="0"/>
-          </a:p>
-        </p:txBody>
-      </p:sp>
-      <p:sp>
-        <p:nvSpPr>
-          <p:cNvPr id="3" name="Content Placeholder 2"/>
-          <p:cNvSpPr>
-            <a:spLocks noGrp="1"/>
-          </p:cNvSpPr>
-          <p:nvPr>
-            <p:ph idx="1"/>
-          </p:nvPr>
-        </p:nvSpPr>
-        <p:spPr/>
-        <p:txBody>
-          <a:bodyPr>
-            <a:normAutofit/>
-          </a:bodyPr>
-          <a:lstStyle/>
-          <a:p>
-            <a:pPr algn="just"/>
-            <a:r>
-              <a:rPr lang="en-US" altLang="en-US" dirty="0"/>
-              <a:t>Write an algorithm to raise one number to the power of another number, e.g. </a:t>
-            </a:r>
-            <a:r>
-              <a:rPr lang="en-US" altLang="en-US" dirty="0" err="1"/>
-              <a:t>x</a:t>
-            </a:r>
-            <a:r>
-              <a:rPr lang="en-US" altLang="en-US" baseline="30000" dirty="0" err="1"/>
-              <a:t>y</a:t>
-            </a:r>
-            <a:endParaRPr lang="en-US" altLang="en-US" baseline="30000" dirty="0"/>
-          </a:p>
-        </p:txBody>
-      </p:sp>
-    </p:spTree>
-    <p:extLst>
-      <p:ext uri="{BB962C8B-B14F-4D97-AF65-F5344CB8AC3E}">
-        <p14:creationId xmlns:p14="http://schemas.microsoft.com/office/powerpoint/2010/main" val="2911971132"/>
-      </p:ext>
-    </p:extLst>
-  </p:cSld>
-  <p:clrMapOvr>
-    <a:masterClrMapping/>
-  </p:clrMapOvr>
-</p:sld>
-</file>
-
-<file path=ppt/slides/slide23.xml><?xml version="1.0" encoding="utf-8"?>
-<p:sld xmlns:a="http://schemas.openxmlformats.org/drawingml/2006/main" xmlns:r="http://schemas.openxmlformats.org/officeDocument/2006/relationships" xmlns:p="http://schemas.openxmlformats.org/presentationml/2006/main">
-  <p:cSld>
-    <p:spTree>
-      <p:nvGrpSpPr>
-        <p:cNvPr id="1" name=""/>
-        <p:cNvGrpSpPr/>
-        <p:nvPr/>
-      </p:nvGrpSpPr>
-      <p:grpSpPr>
-        <a:xfrm>
-          <a:off x="0" y="0"/>
-          <a:ext cx="0" cy="0"/>
-          <a:chOff x="0" y="0"/>
-          <a:chExt cx="0" cy="0"/>
-        </a:xfrm>
-      </p:grpSpPr>
-      <p:sp>
-        <p:nvSpPr>
-          <p:cNvPr id="2" name="Title 1"/>
-          <p:cNvSpPr>
-            <a:spLocks noGrp="1"/>
-          </p:cNvSpPr>
-          <p:nvPr>
-            <p:ph type="title"/>
-          </p:nvPr>
-        </p:nvSpPr>
-        <p:spPr/>
-        <p:txBody>
-          <a:bodyPr/>
-          <a:lstStyle/>
-          <a:p>
-            <a:r>
-              <a:rPr lang="en-US" altLang="en-US" dirty="0"/>
-              <a:t>Task</a:t>
-            </a:r>
-            <a:endParaRPr lang="en-US" dirty="0"/>
-          </a:p>
-        </p:txBody>
-      </p:sp>
-      <p:sp>
-        <p:nvSpPr>
-          <p:cNvPr id="3" name="Content Placeholder 2"/>
-          <p:cNvSpPr>
-            <a:spLocks noGrp="1"/>
-          </p:cNvSpPr>
-          <p:nvPr>
-            <p:ph idx="1"/>
-          </p:nvPr>
-        </p:nvSpPr>
-        <p:spPr/>
-        <p:txBody>
-          <a:bodyPr>
-            <a:normAutofit/>
-          </a:bodyPr>
-          <a:lstStyle/>
-          <a:p>
-            <a:r>
-              <a:rPr lang="en-US" dirty="0"/>
-              <a:t>Write a short story about yourself in a language that you are learning, but not fluent in.</a:t>
-            </a:r>
-          </a:p>
-          <a:p>
-            <a:endParaRPr lang="en-US" dirty="0"/>
-          </a:p>
-          <a:p>
-            <a:r>
-              <a:rPr lang="en-US" dirty="0"/>
-              <a:t>How would you start?</a:t>
-            </a:r>
-          </a:p>
-          <a:p>
-            <a:r>
-              <a:rPr lang="en-US" dirty="0"/>
-              <a:t>What will your process look like?</a:t>
-            </a:r>
-          </a:p>
-        </p:txBody>
-      </p:sp>
-    </p:spTree>
-    <p:extLst>
-      <p:ext uri="{BB962C8B-B14F-4D97-AF65-F5344CB8AC3E}">
-        <p14:creationId xmlns:p14="http://schemas.microsoft.com/office/powerpoint/2010/main" val="343684298"/>
-      </p:ext>
-    </p:extLst>
-  </p:cSld>
-  <p:clrMapOvr>
-    <a:masterClrMapping/>
-  </p:clrMapOvr>
-</p:sld>
-</file>
-
-<file path=ppt/slides/slide24.xml><?xml version="1.0" encoding="utf-8"?>
-<p:sld xmlns:a="http://schemas.openxmlformats.org/drawingml/2006/main" xmlns:r="http://schemas.openxmlformats.org/officeDocument/2006/relationships" xmlns:p="http://schemas.openxmlformats.org/presentationml/2006/main">
-  <p:cSld>
-    <p:spTree>
-      <p:nvGrpSpPr>
-        <p:cNvPr id="1" name=""/>
-        <p:cNvGrpSpPr/>
-        <p:nvPr/>
-      </p:nvGrpSpPr>
-      <p:grpSpPr>
-        <a:xfrm>
-          <a:off x="0" y="0"/>
-          <a:ext cx="0" cy="0"/>
-          <a:chOff x="0" y="0"/>
-          <a:chExt cx="0" cy="0"/>
-        </a:xfrm>
-      </p:grpSpPr>
-      <p:sp>
-        <p:nvSpPr>
-          <p:cNvPr id="2" name="Title 1"/>
-          <p:cNvSpPr>
-            <a:spLocks noGrp="1"/>
-          </p:cNvSpPr>
-          <p:nvPr>
-            <p:ph type="title"/>
-          </p:nvPr>
-        </p:nvSpPr>
-        <p:spPr/>
-        <p:txBody>
-          <a:bodyPr/>
-          <a:lstStyle/>
-          <a:p>
-            <a:r>
-              <a:rPr lang="en-US" altLang="en-US" dirty="0"/>
-              <a:t>Then,</a:t>
-            </a:r>
-            <a:endParaRPr lang="en-US" dirty="0"/>
-          </a:p>
-        </p:txBody>
-      </p:sp>
-      <p:sp>
-        <p:nvSpPr>
-          <p:cNvPr id="3" name="Content Placeholder 2"/>
-          <p:cNvSpPr>
-            <a:spLocks noGrp="1"/>
-          </p:cNvSpPr>
-          <p:nvPr>
-            <p:ph idx="1"/>
-          </p:nvPr>
-        </p:nvSpPr>
-        <p:spPr/>
-        <p:txBody>
-          <a:bodyPr>
-            <a:normAutofit/>
-          </a:bodyPr>
-          <a:lstStyle/>
-          <a:p>
-            <a:r>
-              <a:rPr lang="en-US" dirty="0"/>
-              <a:t>a program is really just a translation of an algorithm into a particular programming language</a:t>
-            </a:r>
-          </a:p>
-          <a:p>
-            <a:endParaRPr lang="en-US" dirty="0"/>
-          </a:p>
-          <a:p>
-            <a:r>
-              <a:rPr lang="en-US" dirty="0"/>
-              <a:t>short story </a:t>
-            </a:r>
-            <a:r>
-              <a:rPr lang="en-US" dirty="0">
-                <a:sym typeface="Wingdings" panose="05000000000000000000" pitchFamily="2" charset="2"/>
-              </a:rPr>
-              <a:t></a:t>
-            </a:r>
-            <a:r>
-              <a:rPr lang="en-US" dirty="0"/>
-              <a:t> algorithm</a:t>
-            </a:r>
-          </a:p>
-          <a:p>
-            <a:r>
-              <a:rPr lang="en-US" dirty="0"/>
-              <a:t>second language </a:t>
-            </a:r>
-            <a:r>
-              <a:rPr lang="en-US" dirty="0">
-                <a:sym typeface="Wingdings" panose="05000000000000000000" pitchFamily="2" charset="2"/>
-              </a:rPr>
-              <a:t></a:t>
-            </a:r>
-            <a:r>
-              <a:rPr lang="en-US" dirty="0"/>
-              <a:t> programming language</a:t>
-            </a:r>
-          </a:p>
-        </p:txBody>
-      </p:sp>
-    </p:spTree>
-    <p:extLst>
-      <p:ext uri="{BB962C8B-B14F-4D97-AF65-F5344CB8AC3E}">
-        <p14:creationId xmlns:p14="http://schemas.microsoft.com/office/powerpoint/2010/main" val="3983800739"/>
-      </p:ext>
-    </p:extLst>
-  </p:cSld>
-  <p:clrMapOvr>
-    <a:masterClrMapping/>
-  </p:clrMapOvr>
-  <p:timing>
-    <p:tnLst>
-      <p:par>
-        <p:cTn id="1" dur="indefinite" restart="never" nodeType="tmRoot">
-          <p:childTnLst>
-            <p:seq concurrent="1" nextAc="seek">
-              <p:cTn id="2" dur="indefinite" nodeType="mainSeq">
-                <p:childTnLst>
-                  <p:par>
-                    <p:cTn id="3" fill="hold">
-                      <p:stCondLst>
-                        <p:cond delay="indefinite"/>
-                      </p:stCondLst>
-                      <p:childTnLst>
-                        <p:par>
-                          <p:cTn id="4" fill="hold">
-                            <p:stCondLst>
-                              <p:cond delay="0"/>
-                            </p:stCondLst>
-                            <p:childTnLst>
-                              <p:par>
-                                <p:cTn id="5" presetID="1" presetClass="entr" presetSubtype="0" fill="hold" nodeType="clickEffect">
-                                  <p:stCondLst>
-                                    <p:cond delay="0"/>
-                                  </p:stCondLst>
-                                  <p:childTnLst>
-                                    <p:set>
-                                      <p:cBhvr>
-                                        <p:cTn id="6" dur="1" fill="hold">
-                                          <p:stCondLst>
-                                            <p:cond delay="0"/>
-                                          </p:stCondLst>
-                                        </p:cTn>
-                                        <p:tgtEl>
-                                          <p:spTgt spid="3">
-                                            <p:txEl>
-                                              <p:pRg st="2" end="2"/>
-                                            </p:txEl>
-                                          </p:spTgt>
-                                        </p:tgtEl>
-                                        <p:attrNameLst>
-                                          <p:attrName>style.visibility</p:attrName>
-                                        </p:attrNameLst>
-                                      </p:cBhvr>
-                                      <p:to>
-                                        <p:strVal val="visible"/>
-                                      </p:to>
-                                    </p:set>
-                                  </p:childTnLst>
-                                </p:cTn>
-                              </p:par>
-                              <p:par>
-                                <p:cTn id="7" presetID="1" presetClass="entr" presetSubtype="0" fill="hold" nodeType="withEffect">
-                                  <p:stCondLst>
-                                    <p:cond delay="0"/>
-                                  </p:stCondLst>
-                                  <p:childTnLst>
-                                    <p:set>
-                                      <p:cBhvr>
-                                        <p:cTn id="8" dur="1" fill="hold">
-                                          <p:stCondLst>
-                                            <p:cond delay="0"/>
-                                          </p:stCondLst>
-                                        </p:cTn>
-                                        <p:tgtEl>
-                                          <p:spTgt spid="3">
-                                            <p:txEl>
-                                              <p:pRg st="3" end="3"/>
-                                            </p:txEl>
-                                          </p:spTgt>
-                                        </p:tgtEl>
-                                        <p:attrNameLst>
-                                          <p:attrName>style.visibility</p:attrName>
-                                        </p:attrNameLst>
-                                      </p:cBhvr>
-                                      <p:to>
-                                        <p:strVal val="visible"/>
-                                      </p:to>
-                                    </p:set>
-                                  </p:childTnLst>
-                                </p:cTn>
-                              </p:par>
-                            </p:childTnLst>
-                          </p:cTn>
-                        </p:par>
-                      </p:childTnLst>
-                    </p:cTn>
-                  </p:par>
-                </p:childTnLst>
-              </p:cTn>
-              <p:prevCondLst>
-                <p:cond evt="onPrev" delay="0">
-                  <p:tgtEl>
-                    <p:sldTgt/>
-                  </p:tgtEl>
-                </p:cond>
-              </p:prevCondLst>
-              <p:nextCondLst>
-                <p:cond evt="onNext" delay="0">
-                  <p:tgtEl>
-                    <p:sldTgt/>
-                  </p:tgtEl>
-                </p:cond>
-              </p:nextCondLst>
-            </p:seq>
-          </p:childTnLst>
-        </p:cTn>
-      </p:par>
-    </p:tnLst>
-  </p:timing>
-</p:sld>
-</file>
-
-<file path=ppt/slides/slide25.xml><?xml version="1.0" encoding="utf-8"?>
-<p:sld xmlns:a="http://schemas.openxmlformats.org/drawingml/2006/main" xmlns:r="http://schemas.openxmlformats.org/officeDocument/2006/relationships" xmlns:p="http://schemas.openxmlformats.org/presentationml/2006/main">
-  <p:cSld>
-    <p:spTree>
-      <p:nvGrpSpPr>
-        <p:cNvPr id="1" name=""/>
-        <p:cNvGrpSpPr/>
-        <p:nvPr/>
-      </p:nvGrpSpPr>
-      <p:grpSpPr>
-        <a:xfrm>
-          <a:off x="0" y="0"/>
-          <a:ext cx="0" cy="0"/>
-          <a:chOff x="0" y="0"/>
-          <a:chExt cx="0" cy="0"/>
-        </a:xfrm>
-      </p:grpSpPr>
-      <p:sp>
-        <p:nvSpPr>
-          <p:cNvPr id="2" name="Title 1"/>
-          <p:cNvSpPr>
-            <a:spLocks noGrp="1"/>
-          </p:cNvSpPr>
-          <p:nvPr>
-            <p:ph type="title"/>
-          </p:nvPr>
-        </p:nvSpPr>
-        <p:spPr/>
-        <p:txBody>
-          <a:bodyPr/>
-          <a:lstStyle/>
-          <a:p>
-            <a:r>
-              <a:rPr lang="en-US" altLang="en-US" dirty="0"/>
-              <a:t>Why do we need algorithms?</a:t>
-            </a:r>
-            <a:endParaRPr lang="en-US" dirty="0"/>
-          </a:p>
-        </p:txBody>
-      </p:sp>
-      <p:sp>
-        <p:nvSpPr>
-          <p:cNvPr id="3" name="Content Placeholder 2"/>
-          <p:cNvSpPr>
-            <a:spLocks noGrp="1"/>
-          </p:cNvSpPr>
-          <p:nvPr>
-            <p:ph idx="1"/>
-          </p:nvPr>
-        </p:nvSpPr>
-        <p:spPr/>
-        <p:txBody>
-          <a:bodyPr>
-            <a:normAutofit/>
-          </a:bodyPr>
-          <a:lstStyle/>
-          <a:p>
-            <a:r>
-              <a:rPr lang="en-US" dirty="0"/>
-              <a:t>You can’t write a program to solve a problem until you know the solution to the problem</a:t>
-            </a:r>
-          </a:p>
-        </p:txBody>
-      </p:sp>
-    </p:spTree>
-    <p:extLst>
-      <p:ext uri="{BB962C8B-B14F-4D97-AF65-F5344CB8AC3E}">
-        <p14:creationId xmlns:p14="http://schemas.microsoft.com/office/powerpoint/2010/main" val="2403593113"/>
       </p:ext>
     </p:extLst>
   </p:cSld>
